--- a/Apresentações/Firebase.pptx
+++ b/Apresentações/Firebase.pptx
@@ -7,6 +7,12 @@
   <p:sldIdLst>
     <p:sldId id="256" r:id="rId2"/>
     <p:sldId id="257" r:id="rId3"/>
+    <p:sldId id="258" r:id="rId4"/>
+    <p:sldId id="263" r:id="rId5"/>
+    <p:sldId id="259" r:id="rId6"/>
+    <p:sldId id="260" r:id="rId7"/>
+    <p:sldId id="261" r:id="rId8"/>
+    <p:sldId id="262" r:id="rId9"/>
   </p:sldIdLst>
   <p:sldSz cx="12192000" cy="6858000"/>
   <p:notesSz cx="6858000" cy="9144000"/>
@@ -105,6 +111,11 @@
       </a:defRPr>
     </a:lvl9pPr>
   </p:defaultTextStyle>
+  <p:extLst>
+    <p:ext uri="{EFAFB233-063F-42B5-8137-9DF3F51BA10A}">
+      <p15:sldGuideLst xmlns:p15="http://schemas.microsoft.com/office/powerpoint/2012/main"/>
+    </p:ext>
+  </p:extLst>
 </p:presentation>
 </file>
 
@@ -257,7 +268,7 @@
           <a:p>
             <a:fld id="{CDD92F6F-135C-4B12-A6AB-94D56EC69690}" type="datetimeFigureOut">
               <a:rPr lang="pt-BR" smtClean="0"/>
-              <a:t>01/04/2019</a:t>
+              <a:t>02/04/2019</a:t>
             </a:fld>
             <a:endParaRPr lang="pt-BR"/>
           </a:p>
@@ -311,7 +322,7 @@
           <a:p>
             <a:fld id="{1FFF40F7-9AEA-4D22-B956-0109EE9BB960}" type="slidenum">
               <a:rPr lang="pt-BR" smtClean="0"/>
-              <a:t>‹#›</a:t>
+              <a:t>‹nº›</a:t>
             </a:fld>
             <a:endParaRPr lang="pt-BR"/>
           </a:p>
@@ -457,7 +468,7 @@
           <a:p>
             <a:fld id="{CDD92F6F-135C-4B12-A6AB-94D56EC69690}" type="datetimeFigureOut">
               <a:rPr lang="pt-BR" smtClean="0"/>
-              <a:t>01/04/2019</a:t>
+              <a:t>02/04/2019</a:t>
             </a:fld>
             <a:endParaRPr lang="pt-BR"/>
           </a:p>
@@ -511,7 +522,7 @@
           <a:p>
             <a:fld id="{1FFF40F7-9AEA-4D22-B956-0109EE9BB960}" type="slidenum">
               <a:rPr lang="pt-BR" smtClean="0"/>
-              <a:t>‹#›</a:t>
+              <a:t>‹nº›</a:t>
             </a:fld>
             <a:endParaRPr lang="pt-BR"/>
           </a:p>
@@ -667,7 +678,7 @@
           <a:p>
             <a:fld id="{CDD92F6F-135C-4B12-A6AB-94D56EC69690}" type="datetimeFigureOut">
               <a:rPr lang="pt-BR" smtClean="0"/>
-              <a:t>01/04/2019</a:t>
+              <a:t>02/04/2019</a:t>
             </a:fld>
             <a:endParaRPr lang="pt-BR"/>
           </a:p>
@@ -721,7 +732,7 @@
           <a:p>
             <a:fld id="{1FFF40F7-9AEA-4D22-B956-0109EE9BB960}" type="slidenum">
               <a:rPr lang="pt-BR" smtClean="0"/>
-              <a:t>‹#›</a:t>
+              <a:t>‹nº›</a:t>
             </a:fld>
             <a:endParaRPr lang="pt-BR"/>
           </a:p>
@@ -867,7 +878,7 @@
           <a:p>
             <a:fld id="{CDD92F6F-135C-4B12-A6AB-94D56EC69690}" type="datetimeFigureOut">
               <a:rPr lang="pt-BR" smtClean="0"/>
-              <a:t>01/04/2019</a:t>
+              <a:t>02/04/2019</a:t>
             </a:fld>
             <a:endParaRPr lang="pt-BR"/>
           </a:p>
@@ -921,7 +932,7 @@
           <a:p>
             <a:fld id="{1FFF40F7-9AEA-4D22-B956-0109EE9BB960}" type="slidenum">
               <a:rPr lang="pt-BR" smtClean="0"/>
-              <a:t>‹#›</a:t>
+              <a:t>‹nº›</a:t>
             </a:fld>
             <a:endParaRPr lang="pt-BR"/>
           </a:p>
@@ -1143,7 +1154,7 @@
           <a:p>
             <a:fld id="{CDD92F6F-135C-4B12-A6AB-94D56EC69690}" type="datetimeFigureOut">
               <a:rPr lang="pt-BR" smtClean="0"/>
-              <a:t>01/04/2019</a:t>
+              <a:t>02/04/2019</a:t>
             </a:fld>
             <a:endParaRPr lang="pt-BR"/>
           </a:p>
@@ -1197,7 +1208,7 @@
           <a:p>
             <a:fld id="{1FFF40F7-9AEA-4D22-B956-0109EE9BB960}" type="slidenum">
               <a:rPr lang="pt-BR" smtClean="0"/>
-              <a:t>‹#›</a:t>
+              <a:t>‹nº›</a:t>
             </a:fld>
             <a:endParaRPr lang="pt-BR"/>
           </a:p>
@@ -1411,7 +1422,7 @@
           <a:p>
             <a:fld id="{CDD92F6F-135C-4B12-A6AB-94D56EC69690}" type="datetimeFigureOut">
               <a:rPr lang="pt-BR" smtClean="0"/>
-              <a:t>01/04/2019</a:t>
+              <a:t>02/04/2019</a:t>
             </a:fld>
             <a:endParaRPr lang="pt-BR"/>
           </a:p>
@@ -1465,7 +1476,7 @@
           <a:p>
             <a:fld id="{1FFF40F7-9AEA-4D22-B956-0109EE9BB960}" type="slidenum">
               <a:rPr lang="pt-BR" smtClean="0"/>
-              <a:t>‹#›</a:t>
+              <a:t>‹nº›</a:t>
             </a:fld>
             <a:endParaRPr lang="pt-BR"/>
           </a:p>
@@ -1826,7 +1837,7 @@
           <a:p>
             <a:fld id="{CDD92F6F-135C-4B12-A6AB-94D56EC69690}" type="datetimeFigureOut">
               <a:rPr lang="pt-BR" smtClean="0"/>
-              <a:t>01/04/2019</a:t>
+              <a:t>02/04/2019</a:t>
             </a:fld>
             <a:endParaRPr lang="pt-BR"/>
           </a:p>
@@ -1880,7 +1891,7 @@
           <a:p>
             <a:fld id="{1FFF40F7-9AEA-4D22-B956-0109EE9BB960}" type="slidenum">
               <a:rPr lang="pt-BR" smtClean="0"/>
-              <a:t>‹#›</a:t>
+              <a:t>‹nº›</a:t>
             </a:fld>
             <a:endParaRPr lang="pt-BR"/>
           </a:p>
@@ -1968,7 +1979,7 @@
           <a:p>
             <a:fld id="{CDD92F6F-135C-4B12-A6AB-94D56EC69690}" type="datetimeFigureOut">
               <a:rPr lang="pt-BR" smtClean="0"/>
-              <a:t>01/04/2019</a:t>
+              <a:t>02/04/2019</a:t>
             </a:fld>
             <a:endParaRPr lang="pt-BR"/>
           </a:p>
@@ -2022,7 +2033,7 @@
           <a:p>
             <a:fld id="{1FFF40F7-9AEA-4D22-B956-0109EE9BB960}" type="slidenum">
               <a:rPr lang="pt-BR" smtClean="0"/>
-              <a:t>‹#›</a:t>
+              <a:t>‹nº›</a:t>
             </a:fld>
             <a:endParaRPr lang="pt-BR"/>
           </a:p>
@@ -2081,7 +2092,7 @@
           <a:p>
             <a:fld id="{CDD92F6F-135C-4B12-A6AB-94D56EC69690}" type="datetimeFigureOut">
               <a:rPr lang="pt-BR" smtClean="0"/>
-              <a:t>01/04/2019</a:t>
+              <a:t>02/04/2019</a:t>
             </a:fld>
             <a:endParaRPr lang="pt-BR"/>
           </a:p>
@@ -2135,7 +2146,7 @@
           <a:p>
             <a:fld id="{1FFF40F7-9AEA-4D22-B956-0109EE9BB960}" type="slidenum">
               <a:rPr lang="pt-BR" smtClean="0"/>
-              <a:t>‹#›</a:t>
+              <a:t>‹nº›</a:t>
             </a:fld>
             <a:endParaRPr lang="pt-BR"/>
           </a:p>
@@ -2394,7 +2405,7 @@
           <a:p>
             <a:fld id="{CDD92F6F-135C-4B12-A6AB-94D56EC69690}" type="datetimeFigureOut">
               <a:rPr lang="pt-BR" smtClean="0"/>
-              <a:t>01/04/2019</a:t>
+              <a:t>02/04/2019</a:t>
             </a:fld>
             <a:endParaRPr lang="pt-BR"/>
           </a:p>
@@ -2448,7 +2459,7 @@
           <a:p>
             <a:fld id="{1FFF40F7-9AEA-4D22-B956-0109EE9BB960}" type="slidenum">
               <a:rPr lang="pt-BR" smtClean="0"/>
-              <a:t>‹#›</a:t>
+              <a:t>‹nº›</a:t>
             </a:fld>
             <a:endParaRPr lang="pt-BR"/>
           </a:p>
@@ -2683,7 +2694,7 @@
           <a:p>
             <a:fld id="{CDD92F6F-135C-4B12-A6AB-94D56EC69690}" type="datetimeFigureOut">
               <a:rPr lang="pt-BR" smtClean="0"/>
-              <a:t>01/04/2019</a:t>
+              <a:t>02/04/2019</a:t>
             </a:fld>
             <a:endParaRPr lang="pt-BR"/>
           </a:p>
@@ -2737,7 +2748,7 @@
           <a:p>
             <a:fld id="{1FFF40F7-9AEA-4D22-B956-0109EE9BB960}" type="slidenum">
               <a:rPr lang="pt-BR" smtClean="0"/>
-              <a:t>‹#›</a:t>
+              <a:t>‹nº›</a:t>
             </a:fld>
             <a:endParaRPr lang="pt-BR"/>
           </a:p>
@@ -2926,7 +2937,7 @@
           <a:p>
             <a:fld id="{CDD92F6F-135C-4B12-A6AB-94D56EC69690}" type="datetimeFigureOut">
               <a:rPr lang="pt-BR" smtClean="0"/>
-              <a:t>01/04/2019</a:t>
+              <a:t>02/04/2019</a:t>
             </a:fld>
             <a:endParaRPr lang="pt-BR"/>
           </a:p>
@@ -3016,7 +3027,7 @@
           <a:p>
             <a:fld id="{1FFF40F7-9AEA-4D22-B956-0109EE9BB960}" type="slidenum">
               <a:rPr lang="pt-BR" smtClean="0"/>
-              <a:t>‹#›</a:t>
+              <a:t>‹nº›</a:t>
             </a:fld>
             <a:endParaRPr lang="pt-BR"/>
           </a:p>
@@ -3452,7 +3463,7 @@
           <a:lstStyle/>
           <a:p>
             <a:r>
-              <a:rPr lang="pt-BR" dirty="0"/>
+              <a:rPr lang="pt-BR" b="1" dirty="0"/>
               <a:t>O que é</a:t>
             </a:r>
           </a:p>
@@ -3477,7 +3488,7 @@
         <p:spPr/>
         <p:txBody>
           <a:bodyPr>
-            <a:normAutofit/>
+            <a:normAutofit lnSpcReduction="10000"/>
           </a:bodyPr>
           <a:lstStyle/>
           <a:p>
@@ -3489,17 +3500,39 @@
           <a:p>
             <a:r>
               <a:rPr lang="pt-BR" sz="3600" dirty="0" err="1"/>
-              <a:t>back-end</a:t>
+              <a:t>backend</a:t>
             </a:r>
             <a:r>
               <a:rPr lang="pt-BR" sz="3600" dirty="0"/>
-              <a:t> completo e de fácil usabilidade</a:t>
+              <a:t> completo e de fácil usabilidade.</a:t>
             </a:r>
           </a:p>
           <a:p>
             <a:r>
               <a:rPr lang="pt-BR" sz="3600" dirty="0"/>
               <a:t>disponibiliza diversos serviços diferentes que auxiliam no desenvolvimento e gerenciamento de aplicativos.</a:t>
+            </a:r>
+          </a:p>
+          <a:p>
+            <a:r>
+              <a:rPr lang="pt-BR" sz="3600" dirty="0"/>
+              <a:t>suporta desenvolvimento nas linguagens de programação C++, Java, </a:t>
+            </a:r>
+            <a:r>
+              <a:rPr lang="pt-BR" sz="3600" dirty="0" err="1"/>
+              <a:t>Javascript</a:t>
+            </a:r>
+            <a:r>
+              <a:rPr lang="pt-BR" sz="3600" dirty="0"/>
+              <a:t>, Node.js, </a:t>
+            </a:r>
+            <a:r>
+              <a:rPr lang="pt-BR" sz="3600" dirty="0" err="1"/>
+              <a:t>Objective</a:t>
+            </a:r>
+            <a:r>
+              <a:rPr lang="pt-BR" sz="3600" dirty="0"/>
+              <a:t>-C e Swift.</a:t>
             </a:r>
           </a:p>
         </p:txBody>
@@ -3508,6 +3541,786 @@
     <p:extLst>
       <p:ext uri="{BB962C8B-B14F-4D97-AF65-F5344CB8AC3E}">
         <p14:creationId xmlns:p14="http://schemas.microsoft.com/office/powerpoint/2010/main" val="3353435280"/>
+      </p:ext>
+    </p:extLst>
+  </p:cSld>
+  <p:clrMapOvr>
+    <a:masterClrMapping/>
+  </p:clrMapOvr>
+</p:sld>
+</file>
+
+<file path=ppt/slides/slide3.xml><?xml version="1.0" encoding="utf-8"?>
+<p:sld xmlns:a="http://schemas.openxmlformats.org/drawingml/2006/main" xmlns:r="http://schemas.openxmlformats.org/officeDocument/2006/relationships" xmlns:p="http://schemas.openxmlformats.org/presentationml/2006/main">
+  <p:cSld>
+    <p:spTree>
+      <p:nvGrpSpPr>
+        <p:cNvPr id="1" name=""/>
+        <p:cNvGrpSpPr/>
+        <p:nvPr/>
+      </p:nvGrpSpPr>
+      <p:grpSpPr>
+        <a:xfrm>
+          <a:off x="0" y="0"/>
+          <a:ext cx="0" cy="0"/>
+          <a:chOff x="0" y="0"/>
+          <a:chExt cx="0" cy="0"/>
+        </a:xfrm>
+      </p:grpSpPr>
+      <p:sp>
+        <p:nvSpPr>
+          <p:cNvPr id="2" name="Título 1">
+            <a:extLst>
+              <a:ext uri="{FF2B5EF4-FFF2-40B4-BE49-F238E27FC236}">
+                <a16:creationId xmlns:a16="http://schemas.microsoft.com/office/drawing/2014/main" id="{B21FC481-737C-40CA-B25F-9A90746A2E16}"/>
+              </a:ext>
+            </a:extLst>
+          </p:cNvPr>
+          <p:cNvSpPr>
+            <a:spLocks noGrp="1"/>
+          </p:cNvSpPr>
+          <p:nvPr>
+            <p:ph type="title"/>
+          </p:nvPr>
+        </p:nvSpPr>
+        <p:spPr/>
+        <p:txBody>
+          <a:bodyPr/>
+          <a:lstStyle/>
+          <a:p>
+            <a:r>
+              <a:rPr lang="pt-BR" dirty="0"/>
+              <a:t>Como funciona</a:t>
+            </a:r>
+          </a:p>
+        </p:txBody>
+      </p:sp>
+      <p:pic>
+        <p:nvPicPr>
+          <p:cNvPr id="1026" name="Picture 2" descr="http://micreiros.com/wp-content/uploads/imagem_texto.png">
+            <a:extLst>
+              <a:ext uri="{FF2B5EF4-FFF2-40B4-BE49-F238E27FC236}">
+                <a16:creationId xmlns:a16="http://schemas.microsoft.com/office/drawing/2014/main" id="{F80AC330-A895-4A06-A362-3008D961756A}"/>
+              </a:ext>
+            </a:extLst>
+          </p:cNvPr>
+          <p:cNvPicPr>
+            <a:picLocks noChangeAspect="1" noChangeArrowheads="1"/>
+          </p:cNvPicPr>
+          <p:nvPr/>
+        </p:nvPicPr>
+        <p:blipFill>
+          <a:blip r:embed="rId2">
+            <a:extLst>
+              <a:ext uri="{28A0092B-C50C-407E-A947-70E740481C1C}">
+                <a14:useLocalDpi xmlns:a14="http://schemas.microsoft.com/office/drawing/2010/main" val="0"/>
+              </a:ext>
+            </a:extLst>
+          </a:blip>
+          <a:srcRect/>
+          <a:stretch>
+            <a:fillRect/>
+          </a:stretch>
+        </p:blipFill>
+        <p:spPr bwMode="auto">
+          <a:xfrm>
+            <a:off x="1089892" y="1143849"/>
+            <a:ext cx="10160842" cy="5714151"/>
+          </a:xfrm>
+          <a:prstGeom prst="rect">
+            <a:avLst/>
+          </a:prstGeom>
+          <a:noFill/>
+          <a:extLst>
+            <a:ext uri="{909E8E84-426E-40DD-AFC4-6F175D3DCCD1}">
+              <a14:hiddenFill xmlns:a14="http://schemas.microsoft.com/office/drawing/2010/main">
+                <a:solidFill>
+                  <a:srgbClr val="FFFFFF"/>
+                </a:solidFill>
+              </a14:hiddenFill>
+            </a:ext>
+          </a:extLst>
+        </p:spPr>
+      </p:pic>
+    </p:spTree>
+    <p:extLst>
+      <p:ext uri="{BB962C8B-B14F-4D97-AF65-F5344CB8AC3E}">
+        <p14:creationId xmlns:p14="http://schemas.microsoft.com/office/powerpoint/2010/main" val="320185450"/>
+      </p:ext>
+    </p:extLst>
+  </p:cSld>
+  <p:clrMapOvr>
+    <a:masterClrMapping/>
+  </p:clrMapOvr>
+</p:sld>
+</file>
+
+<file path=ppt/slides/slide4.xml><?xml version="1.0" encoding="utf-8"?>
+<p:sld xmlns:a="http://schemas.openxmlformats.org/drawingml/2006/main" xmlns:r="http://schemas.openxmlformats.org/officeDocument/2006/relationships" xmlns:p="http://schemas.openxmlformats.org/presentationml/2006/main">
+  <p:cSld>
+    <p:spTree>
+      <p:nvGrpSpPr>
+        <p:cNvPr id="1" name=""/>
+        <p:cNvGrpSpPr/>
+        <p:nvPr/>
+      </p:nvGrpSpPr>
+      <p:grpSpPr>
+        <a:xfrm>
+          <a:off x="0" y="0"/>
+          <a:ext cx="0" cy="0"/>
+          <a:chOff x="0" y="0"/>
+          <a:chExt cx="0" cy="0"/>
+        </a:xfrm>
+      </p:grpSpPr>
+      <p:sp>
+        <p:nvSpPr>
+          <p:cNvPr id="2" name="Título 1">
+            <a:extLst>
+              <a:ext uri="{FF2B5EF4-FFF2-40B4-BE49-F238E27FC236}">
+                <a16:creationId xmlns:a16="http://schemas.microsoft.com/office/drawing/2014/main" id="{601C2A68-3954-4748-A8B1-F2ABAE1BC475}"/>
+              </a:ext>
+            </a:extLst>
+          </p:cNvPr>
+          <p:cNvSpPr>
+            <a:spLocks noGrp="1"/>
+          </p:cNvSpPr>
+          <p:nvPr>
+            <p:ph type="title"/>
+          </p:nvPr>
+        </p:nvSpPr>
+        <p:spPr/>
+        <p:txBody>
+          <a:bodyPr/>
+          <a:lstStyle/>
+          <a:p>
+            <a:r>
+              <a:rPr lang="pt-BR" dirty="0"/>
+              <a:t>Como utilizar</a:t>
+            </a:r>
+          </a:p>
+        </p:txBody>
+      </p:sp>
+      <p:sp>
+        <p:nvSpPr>
+          <p:cNvPr id="3" name="Espaço Reservado para Conteúdo 2">
+            <a:extLst>
+              <a:ext uri="{FF2B5EF4-FFF2-40B4-BE49-F238E27FC236}">
+                <a16:creationId xmlns:a16="http://schemas.microsoft.com/office/drawing/2014/main" id="{FC2CC6E6-072B-4B32-897E-A604A9EF65BC}"/>
+              </a:ext>
+            </a:extLst>
+          </p:cNvPr>
+          <p:cNvSpPr>
+            <a:spLocks noGrp="1"/>
+          </p:cNvSpPr>
+          <p:nvPr>
+            <p:ph idx="1"/>
+          </p:nvPr>
+        </p:nvSpPr>
+        <p:spPr/>
+        <p:txBody>
+          <a:bodyPr/>
+          <a:lstStyle/>
+          <a:p>
+            <a:r>
+              <a:rPr lang="pt-BR" sz="3600" dirty="0"/>
+              <a:t>Console web: </a:t>
+            </a:r>
+            <a:r>
+              <a:rPr lang="pt-BR" sz="3600" dirty="0">
+                <a:hlinkClick r:id="rId2"/>
+              </a:rPr>
+              <a:t>https://console.firebase.google.com</a:t>
+            </a:r>
+            <a:endParaRPr lang="pt-BR" sz="3600" dirty="0"/>
+          </a:p>
+          <a:p>
+            <a:pPr lvl="1"/>
+            <a:r>
+              <a:rPr lang="pt-BR" sz="3200" dirty="0"/>
+              <a:t>Criar um projeto;</a:t>
+            </a:r>
+          </a:p>
+          <a:p>
+            <a:pPr lvl="1"/>
+            <a:r>
+              <a:rPr lang="pt-BR" sz="3200" dirty="0"/>
+              <a:t>Ligar a sua aplicação;</a:t>
+            </a:r>
+          </a:p>
+          <a:p>
+            <a:pPr lvl="1"/>
+            <a:r>
+              <a:rPr lang="pt-BR" sz="3200" dirty="0"/>
+              <a:t>Incluir os serviços.</a:t>
+            </a:r>
+          </a:p>
+          <a:p>
+            <a:r>
+              <a:rPr lang="pt-BR" sz="4400" b="1" dirty="0"/>
+              <a:t>Nem todos os serviços são gratuitos.</a:t>
+            </a:r>
+          </a:p>
+        </p:txBody>
+      </p:sp>
+    </p:spTree>
+    <p:extLst>
+      <p:ext uri="{BB962C8B-B14F-4D97-AF65-F5344CB8AC3E}">
+        <p14:creationId xmlns:p14="http://schemas.microsoft.com/office/powerpoint/2010/main" val="3427901247"/>
+      </p:ext>
+    </p:extLst>
+  </p:cSld>
+  <p:clrMapOvr>
+    <a:masterClrMapping/>
+  </p:clrMapOvr>
+</p:sld>
+</file>
+
+<file path=ppt/slides/slide5.xml><?xml version="1.0" encoding="utf-8"?>
+<p:sld xmlns:a="http://schemas.openxmlformats.org/drawingml/2006/main" xmlns:r="http://schemas.openxmlformats.org/officeDocument/2006/relationships" xmlns:p="http://schemas.openxmlformats.org/presentationml/2006/main">
+  <p:cSld>
+    <p:spTree>
+      <p:nvGrpSpPr>
+        <p:cNvPr id="1" name=""/>
+        <p:cNvGrpSpPr/>
+        <p:nvPr/>
+      </p:nvGrpSpPr>
+      <p:grpSpPr>
+        <a:xfrm>
+          <a:off x="0" y="0"/>
+          <a:ext cx="0" cy="0"/>
+          <a:chOff x="0" y="0"/>
+          <a:chExt cx="0" cy="0"/>
+        </a:xfrm>
+      </p:grpSpPr>
+      <p:sp>
+        <p:nvSpPr>
+          <p:cNvPr id="2" name="Título 1">
+            <a:extLst>
+              <a:ext uri="{FF2B5EF4-FFF2-40B4-BE49-F238E27FC236}">
+                <a16:creationId xmlns:a16="http://schemas.microsoft.com/office/drawing/2014/main" id="{AED05F27-88A5-4CC8-BA31-83B799919687}"/>
+              </a:ext>
+            </a:extLst>
+          </p:cNvPr>
+          <p:cNvSpPr>
+            <a:spLocks noGrp="1"/>
+          </p:cNvSpPr>
+          <p:nvPr>
+            <p:ph type="title"/>
+          </p:nvPr>
+        </p:nvSpPr>
+        <p:spPr/>
+        <p:txBody>
+          <a:bodyPr/>
+          <a:lstStyle/>
+          <a:p>
+            <a:r>
+              <a:rPr lang="pt-BR" dirty="0"/>
+              <a:t>Serviços</a:t>
+            </a:r>
+          </a:p>
+        </p:txBody>
+      </p:sp>
+      <p:sp>
+        <p:nvSpPr>
+          <p:cNvPr id="3" name="Espaço Reservado para Conteúdo 2">
+            <a:extLst>
+              <a:ext uri="{FF2B5EF4-FFF2-40B4-BE49-F238E27FC236}">
+                <a16:creationId xmlns:a16="http://schemas.microsoft.com/office/drawing/2014/main" id="{16C4B876-CE85-4F5F-96A9-AEC8633D220E}"/>
+              </a:ext>
+            </a:extLst>
+          </p:cNvPr>
+          <p:cNvSpPr>
+            <a:spLocks noGrp="1"/>
+          </p:cNvSpPr>
+          <p:nvPr>
+            <p:ph idx="1"/>
+          </p:nvPr>
+        </p:nvSpPr>
+        <p:spPr/>
+        <p:txBody>
+          <a:bodyPr/>
+          <a:lstStyle/>
+          <a:p>
+            <a:pPr fontAlgn="base"/>
+            <a:r>
+              <a:rPr lang="pt-BR" dirty="0" err="1"/>
+              <a:t>Realtime</a:t>
+            </a:r>
+            <a:r>
+              <a:rPr lang="pt-BR" dirty="0"/>
+              <a:t> </a:t>
+            </a:r>
+            <a:r>
+              <a:rPr lang="pt-BR" dirty="0" err="1"/>
+              <a:t>Database</a:t>
+            </a:r>
+            <a:r>
+              <a:rPr lang="pt-BR" dirty="0"/>
+              <a:t>: Banco de dados que sincroniza os dados com os dispositivos em tempo real. Regras de segurança podem ser configuradas para definir quem tem acesso a quais dados.</a:t>
+            </a:r>
+          </a:p>
+          <a:p>
+            <a:pPr fontAlgn="base"/>
+            <a:r>
+              <a:rPr lang="pt-BR" dirty="0" err="1"/>
+              <a:t>Authentication</a:t>
+            </a:r>
+            <a:r>
+              <a:rPr lang="pt-BR" dirty="0"/>
+              <a:t>: Possibilita autenticação através de contas do Google, Facebook, Twitter, </a:t>
+            </a:r>
+            <a:r>
+              <a:rPr lang="pt-BR" dirty="0" err="1"/>
+              <a:t>Github</a:t>
+            </a:r>
+            <a:r>
+              <a:rPr lang="pt-BR" dirty="0"/>
+              <a:t> ou um sistema de contas próprio.</a:t>
+            </a:r>
+          </a:p>
+          <a:p>
+            <a:pPr fontAlgn="base"/>
+            <a:r>
+              <a:rPr lang="pt-BR" dirty="0"/>
+              <a:t>Cloud </a:t>
+            </a:r>
+            <a:r>
+              <a:rPr lang="pt-BR" dirty="0" err="1"/>
+              <a:t>Messaging</a:t>
+            </a:r>
+            <a:r>
+              <a:rPr lang="pt-BR" dirty="0"/>
+              <a:t>: Permite enviar mensagens para os usuários através do aplicativo. É possível definir para quais grupos de usuários a mensagem será enviada.</a:t>
+            </a:r>
+          </a:p>
+          <a:p>
+            <a:pPr fontAlgn="base"/>
+            <a:r>
+              <a:rPr lang="pt-BR" dirty="0" err="1"/>
+              <a:t>Storage</a:t>
+            </a:r>
+            <a:r>
+              <a:rPr lang="pt-BR" dirty="0"/>
+              <a:t>: Armazena dados do usuário através de uma conexão segura e permite o compartilhamento dos mesmos.</a:t>
+            </a:r>
+          </a:p>
+          <a:p>
+            <a:pPr marL="0" indent="0">
+              <a:buNone/>
+            </a:pPr>
+            <a:endParaRPr lang="pt-BR" dirty="0"/>
+          </a:p>
+        </p:txBody>
+      </p:sp>
+    </p:spTree>
+    <p:extLst>
+      <p:ext uri="{BB962C8B-B14F-4D97-AF65-F5344CB8AC3E}">
+        <p14:creationId xmlns:p14="http://schemas.microsoft.com/office/powerpoint/2010/main" val="3713567790"/>
+      </p:ext>
+    </p:extLst>
+  </p:cSld>
+  <p:clrMapOvr>
+    <a:masterClrMapping/>
+  </p:clrMapOvr>
+</p:sld>
+</file>
+
+<file path=ppt/slides/slide6.xml><?xml version="1.0" encoding="utf-8"?>
+<p:sld xmlns:a="http://schemas.openxmlformats.org/drawingml/2006/main" xmlns:r="http://schemas.openxmlformats.org/officeDocument/2006/relationships" xmlns:p="http://schemas.openxmlformats.org/presentationml/2006/main">
+  <p:cSld>
+    <p:spTree>
+      <p:nvGrpSpPr>
+        <p:cNvPr id="1" name=""/>
+        <p:cNvGrpSpPr/>
+        <p:nvPr/>
+      </p:nvGrpSpPr>
+      <p:grpSpPr>
+        <a:xfrm>
+          <a:off x="0" y="0"/>
+          <a:ext cx="0" cy="0"/>
+          <a:chOff x="0" y="0"/>
+          <a:chExt cx="0" cy="0"/>
+        </a:xfrm>
+      </p:grpSpPr>
+      <p:sp>
+        <p:nvSpPr>
+          <p:cNvPr id="2" name="Título 1">
+            <a:extLst>
+              <a:ext uri="{FF2B5EF4-FFF2-40B4-BE49-F238E27FC236}">
+                <a16:creationId xmlns:a16="http://schemas.microsoft.com/office/drawing/2014/main" id="{C3ADC3EC-42A6-4CF7-9673-4D76EB3FBCF4}"/>
+              </a:ext>
+            </a:extLst>
+          </p:cNvPr>
+          <p:cNvSpPr>
+            <a:spLocks noGrp="1"/>
+          </p:cNvSpPr>
+          <p:nvPr>
+            <p:ph type="title"/>
+          </p:nvPr>
+        </p:nvSpPr>
+        <p:spPr/>
+        <p:txBody>
+          <a:bodyPr/>
+          <a:lstStyle/>
+          <a:p>
+            <a:r>
+              <a:rPr lang="pt-BR" dirty="0"/>
+              <a:t>Serviços</a:t>
+            </a:r>
+          </a:p>
+        </p:txBody>
+      </p:sp>
+      <p:sp>
+        <p:nvSpPr>
+          <p:cNvPr id="3" name="Espaço Reservado para Conteúdo 2">
+            <a:extLst>
+              <a:ext uri="{FF2B5EF4-FFF2-40B4-BE49-F238E27FC236}">
+                <a16:creationId xmlns:a16="http://schemas.microsoft.com/office/drawing/2014/main" id="{CAABE19F-D7F5-4B3B-829B-F810868F9BB0}"/>
+              </a:ext>
+            </a:extLst>
+          </p:cNvPr>
+          <p:cNvSpPr>
+            <a:spLocks noGrp="1"/>
+          </p:cNvSpPr>
+          <p:nvPr>
+            <p:ph idx="1"/>
+          </p:nvPr>
+        </p:nvSpPr>
+        <p:spPr/>
+        <p:txBody>
+          <a:bodyPr>
+            <a:normAutofit fontScale="92500"/>
+          </a:bodyPr>
+          <a:lstStyle/>
+          <a:p>
+            <a:pPr fontAlgn="base"/>
+            <a:r>
+              <a:rPr lang="pt-BR" dirty="0" err="1"/>
+              <a:t>Hosting</a:t>
+            </a:r>
+            <a:r>
+              <a:rPr lang="pt-BR" dirty="0"/>
+              <a:t>: Serviço para hospedagem de sites com certificado SSL</a:t>
+            </a:r>
+          </a:p>
+          <a:p>
+            <a:pPr fontAlgn="base"/>
+            <a:r>
+              <a:rPr lang="pt-BR" dirty="0"/>
+              <a:t>Test </a:t>
+            </a:r>
+            <a:r>
+              <a:rPr lang="pt-BR" dirty="0" err="1"/>
+              <a:t>Lab</a:t>
+            </a:r>
+            <a:r>
+              <a:rPr lang="pt-BR" dirty="0"/>
+              <a:t>: Serviço para testar o aplicativo em diferentes tipos de dispositivos. Possui uma ferramenta de testes automatizada (</a:t>
+            </a:r>
+            <a:r>
+              <a:rPr lang="pt-BR" dirty="0" err="1"/>
+              <a:t>Robo</a:t>
+            </a:r>
+            <a:r>
+              <a:rPr lang="pt-BR" dirty="0"/>
+              <a:t> Test), porém permite que o desenvolvedor crie seus próprios scripts de teste.</a:t>
+            </a:r>
+          </a:p>
+          <a:p>
+            <a:pPr fontAlgn="base"/>
+            <a:r>
+              <a:rPr lang="pt-BR" dirty="0"/>
+              <a:t>Crash </a:t>
+            </a:r>
+            <a:r>
+              <a:rPr lang="pt-BR" dirty="0" err="1"/>
+              <a:t>Reporting</a:t>
+            </a:r>
+            <a:r>
+              <a:rPr lang="pt-BR" dirty="0"/>
+              <a:t>: Coleta informações de falhas que os usuários estão experienciando no aplicativo.</a:t>
+            </a:r>
+          </a:p>
+          <a:p>
+            <a:pPr fontAlgn="base"/>
+            <a:r>
+              <a:rPr lang="pt-BR" dirty="0" err="1"/>
+              <a:t>Notifications</a:t>
+            </a:r>
+            <a:r>
+              <a:rPr lang="pt-BR" dirty="0"/>
+              <a:t>: Envia notificações personalizadas para o usuário.</a:t>
+            </a:r>
+          </a:p>
+          <a:p>
+            <a:pPr fontAlgn="base"/>
+            <a:r>
+              <a:rPr lang="pt-BR" dirty="0"/>
+              <a:t>Remote </a:t>
+            </a:r>
+            <a:r>
+              <a:rPr lang="pt-BR" dirty="0" err="1"/>
+              <a:t>Config</a:t>
+            </a:r>
+            <a:r>
+              <a:rPr lang="pt-BR" dirty="0"/>
+              <a:t>: Permite que versões diferentes do aplicativo sejam publicadas para diferentes usuários. Pode ser usado para testar mudanças com um grupo pequeno de usuários antes de aplica-las definitivamente.</a:t>
+            </a:r>
+          </a:p>
+        </p:txBody>
+      </p:sp>
+    </p:spTree>
+    <p:extLst>
+      <p:ext uri="{BB962C8B-B14F-4D97-AF65-F5344CB8AC3E}">
+        <p14:creationId xmlns:p14="http://schemas.microsoft.com/office/powerpoint/2010/main" val="773777322"/>
+      </p:ext>
+    </p:extLst>
+  </p:cSld>
+  <p:clrMapOvr>
+    <a:masterClrMapping/>
+  </p:clrMapOvr>
+</p:sld>
+</file>
+
+<file path=ppt/slides/slide7.xml><?xml version="1.0" encoding="utf-8"?>
+<p:sld xmlns:a="http://schemas.openxmlformats.org/drawingml/2006/main" xmlns:r="http://schemas.openxmlformats.org/officeDocument/2006/relationships" xmlns:p="http://schemas.openxmlformats.org/presentationml/2006/main">
+  <p:cSld>
+    <p:spTree>
+      <p:nvGrpSpPr>
+        <p:cNvPr id="1" name=""/>
+        <p:cNvGrpSpPr/>
+        <p:nvPr/>
+      </p:nvGrpSpPr>
+      <p:grpSpPr>
+        <a:xfrm>
+          <a:off x="0" y="0"/>
+          <a:ext cx="0" cy="0"/>
+          <a:chOff x="0" y="0"/>
+          <a:chExt cx="0" cy="0"/>
+        </a:xfrm>
+      </p:grpSpPr>
+      <p:sp>
+        <p:nvSpPr>
+          <p:cNvPr id="2" name="Título 1">
+            <a:extLst>
+              <a:ext uri="{FF2B5EF4-FFF2-40B4-BE49-F238E27FC236}">
+                <a16:creationId xmlns:a16="http://schemas.microsoft.com/office/drawing/2014/main" id="{191B57B6-DC09-466A-BD93-6587D674D9EC}"/>
+              </a:ext>
+            </a:extLst>
+          </p:cNvPr>
+          <p:cNvSpPr>
+            <a:spLocks noGrp="1"/>
+          </p:cNvSpPr>
+          <p:nvPr>
+            <p:ph type="title"/>
+          </p:nvPr>
+        </p:nvSpPr>
+        <p:spPr/>
+        <p:txBody>
+          <a:bodyPr/>
+          <a:lstStyle/>
+          <a:p>
+            <a:r>
+              <a:rPr lang="pt-BR" dirty="0"/>
+              <a:t>Serviços</a:t>
+            </a:r>
+          </a:p>
+        </p:txBody>
+      </p:sp>
+      <p:sp>
+        <p:nvSpPr>
+          <p:cNvPr id="3" name="Espaço Reservado para Conteúdo 2">
+            <a:extLst>
+              <a:ext uri="{FF2B5EF4-FFF2-40B4-BE49-F238E27FC236}">
+                <a16:creationId xmlns:a16="http://schemas.microsoft.com/office/drawing/2014/main" id="{A1208028-47DB-467A-A942-D9A3E9337F62}"/>
+              </a:ext>
+            </a:extLst>
+          </p:cNvPr>
+          <p:cNvSpPr>
+            <a:spLocks noGrp="1"/>
+          </p:cNvSpPr>
+          <p:nvPr>
+            <p:ph idx="1"/>
+          </p:nvPr>
+        </p:nvSpPr>
+        <p:spPr/>
+        <p:txBody>
+          <a:bodyPr/>
+          <a:lstStyle/>
+          <a:p>
+            <a:pPr fontAlgn="base"/>
+            <a:r>
+              <a:rPr lang="pt-BR" dirty="0"/>
+              <a:t>App </a:t>
+            </a:r>
+            <a:r>
+              <a:rPr lang="pt-BR" dirty="0" err="1"/>
+              <a:t>Indexing</a:t>
+            </a:r>
+            <a:r>
+              <a:rPr lang="pt-BR" dirty="0"/>
+              <a:t>: Permite que o aplicativo seja encontrado e pesquisas no Google </a:t>
+            </a:r>
+            <a:r>
+              <a:rPr lang="pt-BR" dirty="0" err="1"/>
+              <a:t>Search</a:t>
+            </a:r>
+            <a:r>
+              <a:rPr lang="pt-BR" dirty="0"/>
+              <a:t>, caso o assunto que o usuário procura seja relacionado com o app.</a:t>
+            </a:r>
+          </a:p>
+          <a:p>
+            <a:pPr fontAlgn="base"/>
+            <a:r>
+              <a:rPr lang="pt-BR" dirty="0" err="1"/>
+              <a:t>Dynamic</a:t>
+            </a:r>
+            <a:r>
+              <a:rPr lang="pt-BR" dirty="0"/>
+              <a:t> Links: Usado para criar links que executam determinadas ações no aplicativo. Também é possível definir diferentes ações para diferentes dispositivos e para casos em que o usuário ainda não tenha o aplicativo instalado.</a:t>
+            </a:r>
+          </a:p>
+          <a:p>
+            <a:pPr fontAlgn="base"/>
+            <a:r>
+              <a:rPr lang="pt-BR" dirty="0"/>
+              <a:t>Invites: Utiliza o </a:t>
+            </a:r>
+            <a:r>
+              <a:rPr lang="pt-BR" dirty="0" err="1"/>
+              <a:t>Dynamic</a:t>
+            </a:r>
+            <a:r>
+              <a:rPr lang="pt-BR" dirty="0"/>
+              <a:t> Links para criar convites personalizados para o aplicativo, que podem ser enviados pelo usuário para outras pessoas.</a:t>
+            </a:r>
+          </a:p>
+        </p:txBody>
+      </p:sp>
+    </p:spTree>
+    <p:extLst>
+      <p:ext uri="{BB962C8B-B14F-4D97-AF65-F5344CB8AC3E}">
+        <p14:creationId xmlns:p14="http://schemas.microsoft.com/office/powerpoint/2010/main" val="999281244"/>
+      </p:ext>
+    </p:extLst>
+  </p:cSld>
+  <p:clrMapOvr>
+    <a:masterClrMapping/>
+  </p:clrMapOvr>
+</p:sld>
+</file>
+
+<file path=ppt/slides/slide8.xml><?xml version="1.0" encoding="utf-8"?>
+<p:sld xmlns:a="http://schemas.openxmlformats.org/drawingml/2006/main" xmlns:r="http://schemas.openxmlformats.org/officeDocument/2006/relationships" xmlns:p="http://schemas.openxmlformats.org/presentationml/2006/main">
+  <p:cSld>
+    <p:spTree>
+      <p:nvGrpSpPr>
+        <p:cNvPr id="1" name=""/>
+        <p:cNvGrpSpPr/>
+        <p:nvPr/>
+      </p:nvGrpSpPr>
+      <p:grpSpPr>
+        <a:xfrm>
+          <a:off x="0" y="0"/>
+          <a:ext cx="0" cy="0"/>
+          <a:chOff x="0" y="0"/>
+          <a:chExt cx="0" cy="0"/>
+        </a:xfrm>
+      </p:grpSpPr>
+      <p:sp>
+        <p:nvSpPr>
+          <p:cNvPr id="2" name="Título 1">
+            <a:extLst>
+              <a:ext uri="{FF2B5EF4-FFF2-40B4-BE49-F238E27FC236}">
+                <a16:creationId xmlns:a16="http://schemas.microsoft.com/office/drawing/2014/main" id="{1B2AD0BB-3DDD-4C4C-8A4B-98EB4EAE91B3}"/>
+              </a:ext>
+            </a:extLst>
+          </p:cNvPr>
+          <p:cNvSpPr>
+            <a:spLocks noGrp="1"/>
+          </p:cNvSpPr>
+          <p:nvPr>
+            <p:ph type="title"/>
+          </p:nvPr>
+        </p:nvSpPr>
+        <p:spPr/>
+        <p:txBody>
+          <a:bodyPr/>
+          <a:lstStyle/>
+          <a:p>
+            <a:r>
+              <a:rPr lang="pt-BR" dirty="0"/>
+              <a:t>Serviços</a:t>
+            </a:r>
+          </a:p>
+        </p:txBody>
+      </p:sp>
+      <p:sp>
+        <p:nvSpPr>
+          <p:cNvPr id="3" name="Espaço Reservado para Conteúdo 2">
+            <a:extLst>
+              <a:ext uri="{FF2B5EF4-FFF2-40B4-BE49-F238E27FC236}">
+                <a16:creationId xmlns:a16="http://schemas.microsoft.com/office/drawing/2014/main" id="{3DBF9444-6EA7-4B88-A57D-8D3936652A65}"/>
+              </a:ext>
+            </a:extLst>
+          </p:cNvPr>
+          <p:cNvSpPr>
+            <a:spLocks noGrp="1"/>
+          </p:cNvSpPr>
+          <p:nvPr>
+            <p:ph idx="1"/>
+          </p:nvPr>
+        </p:nvSpPr>
+        <p:spPr/>
+        <p:txBody>
+          <a:bodyPr/>
+          <a:lstStyle/>
+          <a:p>
+            <a:pPr fontAlgn="base"/>
+            <a:r>
+              <a:rPr lang="pt-BR" dirty="0" err="1"/>
+              <a:t>AdWords</a:t>
+            </a:r>
+            <a:r>
+              <a:rPr lang="pt-BR" dirty="0"/>
+              <a:t>: Ferramenta para publicar anúncios do aplicativo no Google, YouTube ou Play Store.</a:t>
+            </a:r>
+          </a:p>
+          <a:p>
+            <a:pPr fontAlgn="base"/>
+            <a:r>
+              <a:rPr lang="pt-BR" dirty="0" err="1"/>
+              <a:t>AdMob</a:t>
+            </a:r>
+            <a:r>
+              <a:rPr lang="pt-BR" dirty="0"/>
+              <a:t>: Facilita a monetização do aplicativo, colocando anúncios que encaixem no design do mesmo. O serviço prioriza automaticamente as fontes que retornam um maior lucro.</a:t>
+            </a:r>
+          </a:p>
+          <a:p>
+            <a:pPr fontAlgn="base"/>
+            <a:r>
+              <a:rPr lang="pt-BR" dirty="0" err="1"/>
+              <a:t>Analytics</a:t>
+            </a:r>
+            <a:r>
+              <a:rPr lang="pt-BR" dirty="0"/>
+              <a:t>: Ferramenta de análise, que produz insights sobre o usuário e o aplicativo.</a:t>
+            </a:r>
+          </a:p>
+          <a:p>
+            <a:pPr marL="0" indent="0">
+              <a:buNone/>
+            </a:pPr>
+            <a:endParaRPr lang="pt-BR" dirty="0"/>
+          </a:p>
+        </p:txBody>
+      </p:sp>
+    </p:spTree>
+    <p:extLst>
+      <p:ext uri="{BB962C8B-B14F-4D97-AF65-F5344CB8AC3E}">
+        <p14:creationId xmlns:p14="http://schemas.microsoft.com/office/powerpoint/2010/main" val="1573306956"/>
       </p:ext>
     </p:extLst>
   </p:cSld>
